--- a/projekt_zesp/Układ stabilizacji poziomu cieczy.pptx
+++ b/projekt_zesp/Układ stabilizacji poziomu cieczy.pptx
@@ -301,7 +301,7 @@
           <a:p>
             <a:fld id="{1160EA64-D806-43AC-9DF2-F8C432F32B4C}" type="datetimeFigureOut">
               <a:rPr lang="en-US" dirty="0"/>
-              <a:t>5/12/2018</a:t>
+              <a:t>5/13/2018</a:t>
             </a:fld>
             <a:endParaRPr lang="en-US" dirty="0"/>
           </a:p>
@@ -467,7 +467,7 @@
           <a:p>
             <a:fld id="{E9F9C37B-1D36-470B-8223-D6C91242EC14}" type="datetimeFigureOut">
               <a:rPr lang="en-US" dirty="0"/>
-              <a:t>5/12/2018</a:t>
+              <a:t>5/13/2018</a:t>
             </a:fld>
             <a:endParaRPr lang="en-US" dirty="0"/>
           </a:p>
@@ -642,7 +642,7 @@
           <a:p>
             <a:fld id="{67C6F52A-A82B-47A2-A83A-8C4C91F2D59F}" type="datetimeFigureOut">
               <a:rPr lang="en-US" dirty="0"/>
-              <a:t>5/12/2018</a:t>
+              <a:t>5/13/2018</a:t>
             </a:fld>
             <a:endParaRPr lang="en-US" dirty="0"/>
           </a:p>
@@ -807,7 +807,7 @@
           <a:p>
             <a:fld id="{F070A7B3-6521-4DCA-87E5-044747A908C1}" type="datetimeFigureOut">
               <a:rPr lang="en-US" dirty="0"/>
-              <a:t>5/12/2018</a:t>
+              <a:t>5/13/2018</a:t>
             </a:fld>
             <a:endParaRPr lang="en-US" dirty="0"/>
           </a:p>
@@ -1071,7 +1071,7 @@
           <a:p>
             <a:fld id="{1160EA64-D806-43AC-9DF2-F8C432F32B4C}" type="datetimeFigureOut">
               <a:rPr lang="en-US" dirty="0"/>
-              <a:t>5/12/2018</a:t>
+              <a:t>5/13/2018</a:t>
             </a:fld>
             <a:endParaRPr lang="en-US" dirty="0"/>
           </a:p>
@@ -1299,7 +1299,7 @@
           <a:p>
             <a:fld id="{AB134690-1557-4C89-A502-4959FE7FAD70}" type="datetimeFigureOut">
               <a:rPr lang="en-US" dirty="0"/>
-              <a:t>5/12/2018</a:t>
+              <a:t>5/13/2018</a:t>
             </a:fld>
             <a:endParaRPr lang="en-US" dirty="0"/>
           </a:p>
@@ -1653,7 +1653,7 @@
           <a:p>
             <a:fld id="{4F7D4976-E339-4826-83B7-FBD03F55ECF8}" type="datetimeFigureOut">
               <a:rPr lang="en-US" dirty="0"/>
-              <a:t>5/12/2018</a:t>
+              <a:t>5/13/2018</a:t>
             </a:fld>
             <a:endParaRPr lang="en-US" dirty="0"/>
           </a:p>
@@ -1789,7 +1789,7 @@
           <a:p>
             <a:fld id="{E1037C31-9E7A-4F99-8774-A0E530DE1A42}" type="datetimeFigureOut">
               <a:rPr lang="en-US" dirty="0"/>
-              <a:t>5/12/2018</a:t>
+              <a:t>5/13/2018</a:t>
             </a:fld>
             <a:endParaRPr lang="en-US" dirty="0"/>
           </a:p>
@@ -1879,7 +1879,7 @@
           <a:p>
             <a:fld id="{C278504F-A551-4DE0-9316-4DCD1D8CC752}" type="datetimeFigureOut">
               <a:rPr lang="en-US" dirty="0"/>
-              <a:t>5/12/2018</a:t>
+              <a:t>5/13/2018</a:t>
             </a:fld>
             <a:endParaRPr lang="en-US" dirty="0"/>
           </a:p>
@@ -2231,7 +2231,7 @@
           <a:p>
             <a:fld id="{D1BE4249-C0D0-4B06-8692-E8BB871AF643}" type="datetimeFigureOut">
               <a:rPr lang="en-US" dirty="0"/>
-              <a:t>5/12/2018</a:t>
+              <a:t>5/13/2018</a:t>
             </a:fld>
             <a:endParaRPr lang="en-US" dirty="0"/>
           </a:p>
@@ -2583,7 +2583,7 @@
           <a:p>
             <a:fld id="{042B0DB6-F5C7-45FB-8CF3-31B45F9C2DAC}" type="datetimeFigureOut">
               <a:rPr lang="en-US" dirty="0"/>
-              <a:t>5/12/2018</a:t>
+              <a:t>5/13/2018</a:t>
             </a:fld>
             <a:endParaRPr lang="en-US" dirty="0"/>
           </a:p>
@@ -2819,7 +2819,7 @@
           <a:p>
             <a:fld id="{1160EA64-D806-43AC-9DF2-F8C432F32B4C}" type="datetimeFigureOut">
               <a:rPr lang="en-US" dirty="0"/>
-              <a:t>5/12/2018</a:t>
+              <a:t>5/13/2018</a:t>
             </a:fld>
             <a:endParaRPr lang="en-US" dirty="0"/>
           </a:p>
@@ -5968,6 +5968,10 @@
               <a:rPr lang="pl-PL" sz="2000" dirty="0" err="1"/>
               <a:t>Humienik</a:t>
             </a:r>
+            <a:r>
+              <a:rPr lang="pl-PL" sz="2000" dirty="0"/>
+              <a:t>, Michał Naruszewicz</a:t>
+            </a:r>
             <a:endParaRPr lang="pl-PL" dirty="0"/>
           </a:p>
           <a:p>

--- a/projekt_zesp/Układ stabilizacji poziomu cieczy.pptx
+++ b/projekt_zesp/Układ stabilizacji poziomu cieczy.pptx
@@ -27,11 +27,12 @@
     <p:sldId id="277" r:id="rId21"/>
     <p:sldId id="278" r:id="rId22"/>
     <p:sldId id="279" r:id="rId23"/>
-    <p:sldId id="274" r:id="rId24"/>
-    <p:sldId id="284" r:id="rId25"/>
-    <p:sldId id="285" r:id="rId26"/>
-    <p:sldId id="287" r:id="rId27"/>
-    <p:sldId id="288" r:id="rId28"/>
+    <p:sldId id="289" r:id="rId24"/>
+    <p:sldId id="274" r:id="rId25"/>
+    <p:sldId id="284" r:id="rId26"/>
+    <p:sldId id="285" r:id="rId27"/>
+    <p:sldId id="287" r:id="rId28"/>
+    <p:sldId id="288" r:id="rId29"/>
   </p:sldIdLst>
   <p:sldSz cx="12192000" cy="6858000"/>
   <p:notesSz cx="6858000" cy="9144000"/>
@@ -301,7 +302,7 @@
           <a:p>
             <a:fld id="{1160EA64-D806-43AC-9DF2-F8C432F32B4C}" type="datetimeFigureOut">
               <a:rPr lang="en-US" dirty="0"/>
-              <a:t>5/13/2018</a:t>
+              <a:t>5/21/2018</a:t>
             </a:fld>
             <a:endParaRPr lang="en-US" dirty="0"/>
           </a:p>
@@ -467,7 +468,7 @@
           <a:p>
             <a:fld id="{E9F9C37B-1D36-470B-8223-D6C91242EC14}" type="datetimeFigureOut">
               <a:rPr lang="en-US" dirty="0"/>
-              <a:t>5/13/2018</a:t>
+              <a:t>5/21/2018</a:t>
             </a:fld>
             <a:endParaRPr lang="en-US" dirty="0"/>
           </a:p>
@@ -642,7 +643,7 @@
           <a:p>
             <a:fld id="{67C6F52A-A82B-47A2-A83A-8C4C91F2D59F}" type="datetimeFigureOut">
               <a:rPr lang="en-US" dirty="0"/>
-              <a:t>5/13/2018</a:t>
+              <a:t>5/21/2018</a:t>
             </a:fld>
             <a:endParaRPr lang="en-US" dirty="0"/>
           </a:p>
@@ -807,7 +808,7 @@
           <a:p>
             <a:fld id="{F070A7B3-6521-4DCA-87E5-044747A908C1}" type="datetimeFigureOut">
               <a:rPr lang="en-US" dirty="0"/>
-              <a:t>5/13/2018</a:t>
+              <a:t>5/21/2018</a:t>
             </a:fld>
             <a:endParaRPr lang="en-US" dirty="0"/>
           </a:p>
@@ -1071,7 +1072,7 @@
           <a:p>
             <a:fld id="{1160EA64-D806-43AC-9DF2-F8C432F32B4C}" type="datetimeFigureOut">
               <a:rPr lang="en-US" dirty="0"/>
-              <a:t>5/13/2018</a:t>
+              <a:t>5/21/2018</a:t>
             </a:fld>
             <a:endParaRPr lang="en-US" dirty="0"/>
           </a:p>
@@ -1299,7 +1300,7 @@
           <a:p>
             <a:fld id="{AB134690-1557-4C89-A502-4959FE7FAD70}" type="datetimeFigureOut">
               <a:rPr lang="en-US" dirty="0"/>
-              <a:t>5/13/2018</a:t>
+              <a:t>5/21/2018</a:t>
             </a:fld>
             <a:endParaRPr lang="en-US" dirty="0"/>
           </a:p>
@@ -1653,7 +1654,7 @@
           <a:p>
             <a:fld id="{4F7D4976-E339-4826-83B7-FBD03F55ECF8}" type="datetimeFigureOut">
               <a:rPr lang="en-US" dirty="0"/>
-              <a:t>5/13/2018</a:t>
+              <a:t>5/21/2018</a:t>
             </a:fld>
             <a:endParaRPr lang="en-US" dirty="0"/>
           </a:p>
@@ -1789,7 +1790,7 @@
           <a:p>
             <a:fld id="{E1037C31-9E7A-4F99-8774-A0E530DE1A42}" type="datetimeFigureOut">
               <a:rPr lang="en-US" dirty="0"/>
-              <a:t>5/13/2018</a:t>
+              <a:t>5/21/2018</a:t>
             </a:fld>
             <a:endParaRPr lang="en-US" dirty="0"/>
           </a:p>
@@ -1879,7 +1880,7 @@
           <a:p>
             <a:fld id="{C278504F-A551-4DE0-9316-4DCD1D8CC752}" type="datetimeFigureOut">
               <a:rPr lang="en-US" dirty="0"/>
-              <a:t>5/13/2018</a:t>
+              <a:t>5/21/2018</a:t>
             </a:fld>
             <a:endParaRPr lang="en-US" dirty="0"/>
           </a:p>
@@ -2231,7 +2232,7 @@
           <a:p>
             <a:fld id="{D1BE4249-C0D0-4B06-8692-E8BB871AF643}" type="datetimeFigureOut">
               <a:rPr lang="en-US" dirty="0"/>
-              <a:t>5/13/2018</a:t>
+              <a:t>5/21/2018</a:t>
             </a:fld>
             <a:endParaRPr lang="en-US" dirty="0"/>
           </a:p>
@@ -2583,7 +2584,7 @@
           <a:p>
             <a:fld id="{042B0DB6-F5C7-45FB-8CF3-31B45F9C2DAC}" type="datetimeFigureOut">
               <a:rPr lang="en-US" dirty="0"/>
-              <a:t>5/13/2018</a:t>
+              <a:t>5/21/2018</a:t>
             </a:fld>
             <a:endParaRPr lang="en-US" dirty="0"/>
           </a:p>
@@ -2819,7 +2820,7 @@
           <a:p>
             <a:fld id="{1160EA64-D806-43AC-9DF2-F8C432F32B4C}" type="datetimeFigureOut">
               <a:rPr lang="en-US" dirty="0"/>
-              <a:t>5/13/2018</a:t>
+              <a:t>5/21/2018</a:t>
             </a:fld>
             <a:endParaRPr lang="en-US" dirty="0"/>
           </a:p>
@@ -5189,6 +5190,162 @@
           <a:chExt cx="0" cy="0"/>
         </a:xfrm>
       </p:grpSpPr>
+      <p:pic>
+        <p:nvPicPr>
+          <p:cNvPr id="2" name="Obraz 1">
+            <a:extLst>
+              <a:ext uri="{FF2B5EF4-FFF2-40B4-BE49-F238E27FC236}">
+                <a16:creationId xmlns:a16="http://schemas.microsoft.com/office/drawing/2014/main" id="{56E101A1-6B4A-4F5B-96AC-37748A2576E2}"/>
+              </a:ext>
+            </a:extLst>
+          </p:cNvPr>
+          <p:cNvPicPr/>
+          <p:nvPr/>
+        </p:nvPicPr>
+        <p:blipFill rotWithShape="1">
+          <a:blip r:embed="rId2"/>
+          <a:srcRect b="66048"/>
+          <a:stretch/>
+        </p:blipFill>
+        <p:spPr bwMode="auto">
+          <a:xfrm>
+            <a:off x="1512641" y="1572687"/>
+            <a:ext cx="1812925" cy="1264920"/>
+          </a:xfrm>
+          <a:prstGeom prst="rect">
+            <a:avLst/>
+          </a:prstGeom>
+          <a:ln>
+            <a:noFill/>
+          </a:ln>
+          <a:extLst>
+            <a:ext uri="{53640926-AAD7-44D8-BBD7-CCE9431645EC}">
+              <a14:shadowObscured xmlns:a14="http://schemas.microsoft.com/office/drawing/2010/main"/>
+            </a:ext>
+          </a:extLst>
+        </p:spPr>
+      </p:pic>
+      <p:pic>
+        <p:nvPicPr>
+          <p:cNvPr id="3" name="Obraz 2">
+            <a:extLst>
+              <a:ext uri="{FF2B5EF4-FFF2-40B4-BE49-F238E27FC236}">
+                <a16:creationId xmlns:a16="http://schemas.microsoft.com/office/drawing/2014/main" id="{F58A4E49-7B8F-4CB0-A6CF-EFDB8802F36F}"/>
+              </a:ext>
+            </a:extLst>
+          </p:cNvPr>
+          <p:cNvPicPr/>
+          <p:nvPr/>
+        </p:nvPicPr>
+        <p:blipFill rotWithShape="1">
+          <a:blip r:embed="rId2"/>
+          <a:srcRect t="39475"/>
+          <a:stretch/>
+        </p:blipFill>
+        <p:spPr bwMode="auto">
+          <a:xfrm>
+            <a:off x="3844313" y="582722"/>
+            <a:ext cx="1812925" cy="2254885"/>
+          </a:xfrm>
+          <a:prstGeom prst="rect">
+            <a:avLst/>
+          </a:prstGeom>
+          <a:ln>
+            <a:noFill/>
+          </a:ln>
+          <a:extLst>
+            <a:ext uri="{53640926-AAD7-44D8-BBD7-CCE9431645EC}">
+              <a14:shadowObscured xmlns:a14="http://schemas.microsoft.com/office/drawing/2010/main"/>
+            </a:ext>
+          </a:extLst>
+        </p:spPr>
+      </p:pic>
+      <p:pic>
+        <p:nvPicPr>
+          <p:cNvPr id="4" name="Obraz 3">
+            <a:extLst>
+              <a:ext uri="{FF2B5EF4-FFF2-40B4-BE49-F238E27FC236}">
+                <a16:creationId xmlns:a16="http://schemas.microsoft.com/office/drawing/2014/main" id="{31DDCB51-9C32-459A-B310-AA77184851B0}"/>
+              </a:ext>
+            </a:extLst>
+          </p:cNvPr>
+          <p:cNvPicPr/>
+          <p:nvPr/>
+        </p:nvPicPr>
+        <p:blipFill>
+          <a:blip r:embed="rId3"/>
+          <a:stretch>
+            <a:fillRect/>
+          </a:stretch>
+        </p:blipFill>
+        <p:spPr>
+          <a:xfrm>
+            <a:off x="461589" y="3692769"/>
+            <a:ext cx="5445376" cy="2382520"/>
+          </a:xfrm>
+          <a:prstGeom prst="rect">
+            <a:avLst/>
+          </a:prstGeom>
+        </p:spPr>
+      </p:pic>
+      <p:pic>
+        <p:nvPicPr>
+          <p:cNvPr id="5" name="Obraz 4">
+            <a:extLst>
+              <a:ext uri="{FF2B5EF4-FFF2-40B4-BE49-F238E27FC236}">
+                <a16:creationId xmlns:a16="http://schemas.microsoft.com/office/drawing/2014/main" id="{D71158D3-9AA2-4765-8BDB-30CB8C50CF83}"/>
+              </a:ext>
+            </a:extLst>
+          </p:cNvPr>
+          <p:cNvPicPr/>
+          <p:nvPr/>
+        </p:nvPicPr>
+        <p:blipFill>
+          <a:blip r:embed="rId4"/>
+          <a:stretch>
+            <a:fillRect/>
+          </a:stretch>
+        </p:blipFill>
+        <p:spPr>
+          <a:xfrm>
+            <a:off x="6096000" y="2664126"/>
+            <a:ext cx="5634411" cy="3411163"/>
+          </a:xfrm>
+          <a:prstGeom prst="rect">
+            <a:avLst/>
+          </a:prstGeom>
+        </p:spPr>
+      </p:pic>
+    </p:spTree>
+    <p:extLst>
+      <p:ext uri="{BB962C8B-B14F-4D97-AF65-F5344CB8AC3E}">
+        <p14:creationId xmlns:p14="http://schemas.microsoft.com/office/powerpoint/2010/main" val="1150126726"/>
+      </p:ext>
+    </p:extLst>
+  </p:cSld>
+  <p:clrMapOvr>
+    <a:masterClrMapping/>
+  </p:clrMapOvr>
+</p:sld>
+</file>
+
+<file path=ppt/slides/slide24.xml><?xml version="1.0" encoding="utf-8"?>
+<p:sld xmlns:a="http://schemas.openxmlformats.org/drawingml/2006/main" xmlns:r="http://schemas.openxmlformats.org/officeDocument/2006/relationships" xmlns:p="http://schemas.openxmlformats.org/presentationml/2006/main">
+  <p:cSld>
+    <p:spTree>
+      <p:nvGrpSpPr>
+        <p:cNvPr id="1" name=""/>
+        <p:cNvGrpSpPr/>
+        <p:nvPr/>
+      </p:nvGrpSpPr>
+      <p:grpSpPr>
+        <a:xfrm>
+          <a:off x="0" y="0"/>
+          <a:ext cx="0" cy="0"/>
+          <a:chOff x="0" y="0"/>
+          <a:chExt cx="0" cy="0"/>
+        </a:xfrm>
+      </p:grpSpPr>
       <p:sp>
         <p:nvSpPr>
           <p:cNvPr id="2" name="Tytuł 1">
@@ -5255,7 +5412,7 @@
 </p:sld>
 </file>
 
-<file path=ppt/slides/slide24.xml><?xml version="1.0" encoding="utf-8"?>
+<file path=ppt/slides/slide25.xml><?xml version="1.0" encoding="utf-8"?>
 <p:sld xmlns:a="http://schemas.openxmlformats.org/drawingml/2006/main" xmlns:r="http://schemas.openxmlformats.org/officeDocument/2006/relationships" xmlns:p="http://schemas.openxmlformats.org/presentationml/2006/main">
   <p:cSld>
     <p:spTree>
@@ -5402,7 +5559,7 @@
 </p:sld>
 </file>
 
-<file path=ppt/slides/slide25.xml><?xml version="1.0" encoding="utf-8"?>
+<file path=ppt/slides/slide26.xml><?xml version="1.0" encoding="utf-8"?>
 <p:sld xmlns:a="http://schemas.openxmlformats.org/drawingml/2006/main" xmlns:r="http://schemas.openxmlformats.org/officeDocument/2006/relationships" xmlns:p="http://schemas.openxmlformats.org/presentationml/2006/main">
   <p:cSld>
     <p:spTree>
@@ -5495,7 +5652,7 @@
 </p:sld>
 </file>
 
-<file path=ppt/slides/slide26.xml><?xml version="1.0" encoding="utf-8"?>
+<file path=ppt/slides/slide27.xml><?xml version="1.0" encoding="utf-8"?>
 <p:sld xmlns:a="http://schemas.openxmlformats.org/drawingml/2006/main" xmlns:r="http://schemas.openxmlformats.org/officeDocument/2006/relationships" xmlns:p="http://schemas.openxmlformats.org/presentationml/2006/main">
   <p:cSld>
     <p:spTree>
@@ -5613,7 +5770,7 @@
 </p:sld>
 </file>
 
-<file path=ppt/slides/slide27.xml><?xml version="1.0" encoding="utf-8"?>
+<file path=ppt/slides/slide28.xml><?xml version="1.0" encoding="utf-8"?>
 <p:sld xmlns:a="http://schemas.openxmlformats.org/drawingml/2006/main" xmlns:r="http://schemas.openxmlformats.org/officeDocument/2006/relationships" xmlns:p="http://schemas.openxmlformats.org/presentationml/2006/main">
   <p:cSld>
     <p:spTree>

--- a/projekt_zesp/Układ stabilizacji poziomu cieczy.pptx
+++ b/projekt_zesp/Układ stabilizacji poziomu cieczy.pptx
@@ -27,12 +27,21 @@
     <p:sldId id="277" r:id="rId21"/>
     <p:sldId id="278" r:id="rId22"/>
     <p:sldId id="279" r:id="rId23"/>
-    <p:sldId id="289" r:id="rId24"/>
-    <p:sldId id="274" r:id="rId25"/>
-    <p:sldId id="284" r:id="rId26"/>
-    <p:sldId id="285" r:id="rId27"/>
-    <p:sldId id="287" r:id="rId28"/>
-    <p:sldId id="288" r:id="rId29"/>
+    <p:sldId id="301" r:id="rId24"/>
+    <p:sldId id="289" r:id="rId25"/>
+    <p:sldId id="302" r:id="rId26"/>
+    <p:sldId id="303" r:id="rId27"/>
+    <p:sldId id="274" r:id="rId28"/>
+    <p:sldId id="296" r:id="rId29"/>
+    <p:sldId id="287" r:id="rId30"/>
+    <p:sldId id="297" r:id="rId31"/>
+    <p:sldId id="298" r:id="rId32"/>
+    <p:sldId id="288" r:id="rId33"/>
+    <p:sldId id="299" r:id="rId34"/>
+    <p:sldId id="300" r:id="rId35"/>
+    <p:sldId id="290" r:id="rId36"/>
+    <p:sldId id="291" r:id="rId37"/>
+    <p:sldId id="292" r:id="rId38"/>
   </p:sldIdLst>
   <p:sldSz cx="12192000" cy="6858000"/>
   <p:notesSz cx="6858000" cy="9144000"/>
@@ -302,7 +311,7 @@
           <a:p>
             <a:fld id="{1160EA64-D806-43AC-9DF2-F8C432F32B4C}" type="datetimeFigureOut">
               <a:rPr lang="en-US" dirty="0"/>
-              <a:t>5/21/2018</a:t>
+              <a:t>5/27/2018</a:t>
             </a:fld>
             <a:endParaRPr lang="en-US" dirty="0"/>
           </a:p>
@@ -468,7 +477,7 @@
           <a:p>
             <a:fld id="{E9F9C37B-1D36-470B-8223-D6C91242EC14}" type="datetimeFigureOut">
               <a:rPr lang="en-US" dirty="0"/>
-              <a:t>5/21/2018</a:t>
+              <a:t>5/27/2018</a:t>
             </a:fld>
             <a:endParaRPr lang="en-US" dirty="0"/>
           </a:p>
@@ -643,7 +652,7 @@
           <a:p>
             <a:fld id="{67C6F52A-A82B-47A2-A83A-8C4C91F2D59F}" type="datetimeFigureOut">
               <a:rPr lang="en-US" dirty="0"/>
-              <a:t>5/21/2018</a:t>
+              <a:t>5/27/2018</a:t>
             </a:fld>
             <a:endParaRPr lang="en-US" dirty="0"/>
           </a:p>
@@ -808,7 +817,7 @@
           <a:p>
             <a:fld id="{F070A7B3-6521-4DCA-87E5-044747A908C1}" type="datetimeFigureOut">
               <a:rPr lang="en-US" dirty="0"/>
-              <a:t>5/21/2018</a:t>
+              <a:t>5/27/2018</a:t>
             </a:fld>
             <a:endParaRPr lang="en-US" dirty="0"/>
           </a:p>
@@ -1072,7 +1081,7 @@
           <a:p>
             <a:fld id="{1160EA64-D806-43AC-9DF2-F8C432F32B4C}" type="datetimeFigureOut">
               <a:rPr lang="en-US" dirty="0"/>
-              <a:t>5/21/2018</a:t>
+              <a:t>5/27/2018</a:t>
             </a:fld>
             <a:endParaRPr lang="en-US" dirty="0"/>
           </a:p>
@@ -1300,7 +1309,7 @@
           <a:p>
             <a:fld id="{AB134690-1557-4C89-A502-4959FE7FAD70}" type="datetimeFigureOut">
               <a:rPr lang="en-US" dirty="0"/>
-              <a:t>5/21/2018</a:t>
+              <a:t>5/27/2018</a:t>
             </a:fld>
             <a:endParaRPr lang="en-US" dirty="0"/>
           </a:p>
@@ -1654,7 +1663,7 @@
           <a:p>
             <a:fld id="{4F7D4976-E339-4826-83B7-FBD03F55ECF8}" type="datetimeFigureOut">
               <a:rPr lang="en-US" dirty="0"/>
-              <a:t>5/21/2018</a:t>
+              <a:t>5/27/2018</a:t>
             </a:fld>
             <a:endParaRPr lang="en-US" dirty="0"/>
           </a:p>
@@ -1790,7 +1799,7 @@
           <a:p>
             <a:fld id="{E1037C31-9E7A-4F99-8774-A0E530DE1A42}" type="datetimeFigureOut">
               <a:rPr lang="en-US" dirty="0"/>
-              <a:t>5/21/2018</a:t>
+              <a:t>5/27/2018</a:t>
             </a:fld>
             <a:endParaRPr lang="en-US" dirty="0"/>
           </a:p>
@@ -1880,7 +1889,7 @@
           <a:p>
             <a:fld id="{C278504F-A551-4DE0-9316-4DCD1D8CC752}" type="datetimeFigureOut">
               <a:rPr lang="en-US" dirty="0"/>
-              <a:t>5/21/2018</a:t>
+              <a:t>5/27/2018</a:t>
             </a:fld>
             <a:endParaRPr lang="en-US" dirty="0"/>
           </a:p>
@@ -2232,7 +2241,7 @@
           <a:p>
             <a:fld id="{D1BE4249-C0D0-4B06-8692-E8BB871AF643}" type="datetimeFigureOut">
               <a:rPr lang="en-US" dirty="0"/>
-              <a:t>5/21/2018</a:t>
+              <a:t>5/27/2018</a:t>
             </a:fld>
             <a:endParaRPr lang="en-US" dirty="0"/>
           </a:p>
@@ -2584,7 +2593,7 @@
           <a:p>
             <a:fld id="{042B0DB6-F5C7-45FB-8CF3-31B45F9C2DAC}" type="datetimeFigureOut">
               <a:rPr lang="en-US" dirty="0"/>
-              <a:t>5/21/2018</a:t>
+              <a:t>5/27/2018</a:t>
             </a:fld>
             <a:endParaRPr lang="en-US" dirty="0"/>
           </a:p>
@@ -2820,7 +2829,7 @@
           <a:p>
             <a:fld id="{1160EA64-D806-43AC-9DF2-F8C432F32B4C}" type="datetimeFigureOut">
               <a:rPr lang="en-US" dirty="0"/>
-              <a:t>5/21/2018</a:t>
+              <a:t>5/27/2018</a:t>
             </a:fld>
             <a:endParaRPr lang="en-US" dirty="0"/>
           </a:p>
@@ -3711,31 +3720,6 @@
           </a:p>
         </p:txBody>
       </p:sp>
-      <p:sp>
-        <p:nvSpPr>
-          <p:cNvPr id="3" name="Symbol zastępczy tekstu 2">
-            <a:extLst>
-              <a:ext uri="{FF2B5EF4-FFF2-40B4-BE49-F238E27FC236}">
-                <a16:creationId xmlns:a16="http://schemas.microsoft.com/office/drawing/2014/main" id="{F0D21787-3C9D-4977-8E43-BD87152813BE}"/>
-              </a:ext>
-            </a:extLst>
-          </p:cNvPr>
-          <p:cNvSpPr>
-            <a:spLocks noGrp="1"/>
-          </p:cNvSpPr>
-          <p:nvPr>
-            <p:ph type="body" idx="1"/>
-          </p:nvPr>
-        </p:nvSpPr>
-        <p:spPr/>
-        <p:txBody>
-          <a:bodyPr/>
-          <a:lstStyle/>
-          <a:p>
-            <a:endParaRPr lang="pl-PL"/>
-          </a:p>
-        </p:txBody>
-      </p:sp>
     </p:spTree>
     <p:extLst>
       <p:ext uri="{BB962C8B-B14F-4D97-AF65-F5344CB8AC3E}">
@@ -5190,6 +5174,94 @@
           <a:chExt cx="0" cy="0"/>
         </a:xfrm>
       </p:grpSpPr>
+      <p:sp>
+        <p:nvSpPr>
+          <p:cNvPr id="2" name="Tytuł 1">
+            <a:extLst>
+              <a:ext uri="{FF2B5EF4-FFF2-40B4-BE49-F238E27FC236}">
+                <a16:creationId xmlns:a16="http://schemas.microsoft.com/office/drawing/2014/main" id="{AF39377C-D123-4DF1-9567-97EE257915CC}"/>
+              </a:ext>
+            </a:extLst>
+          </p:cNvPr>
+          <p:cNvSpPr>
+            <a:spLocks noGrp="1"/>
+          </p:cNvSpPr>
+          <p:nvPr>
+            <p:ph type="title"/>
+          </p:nvPr>
+        </p:nvSpPr>
+        <p:spPr>
+          <a:xfrm>
+            <a:off x="1600200" y="2386744"/>
+            <a:ext cx="8991600" cy="1645920"/>
+          </a:xfrm>
+        </p:spPr>
+        <p:txBody>
+          <a:bodyPr/>
+          <a:lstStyle/>
+          <a:p>
+            <a:r>
+              <a:rPr lang="pl-PL" dirty="0"/>
+              <a:t>Schemat modelu</a:t>
+            </a:r>
+          </a:p>
+        </p:txBody>
+      </p:sp>
+      <p:sp>
+        <p:nvSpPr>
+          <p:cNvPr id="3" name="Symbol zastępczy tekstu 2">
+            <a:extLst>
+              <a:ext uri="{FF2B5EF4-FFF2-40B4-BE49-F238E27FC236}">
+                <a16:creationId xmlns:a16="http://schemas.microsoft.com/office/drawing/2014/main" id="{63E13FFD-8626-4921-8FF3-F3C26BAE5062}"/>
+              </a:ext>
+            </a:extLst>
+          </p:cNvPr>
+          <p:cNvSpPr>
+            <a:spLocks noGrp="1"/>
+          </p:cNvSpPr>
+          <p:nvPr>
+            <p:ph type="body" idx="1"/>
+          </p:nvPr>
+        </p:nvSpPr>
+        <p:spPr/>
+        <p:txBody>
+          <a:bodyPr/>
+          <a:lstStyle/>
+          <a:p>
+            <a:endParaRPr lang="pl-PL" dirty="0"/>
+          </a:p>
+        </p:txBody>
+      </p:sp>
+    </p:spTree>
+    <p:extLst>
+      <p:ext uri="{BB962C8B-B14F-4D97-AF65-F5344CB8AC3E}">
+        <p14:creationId xmlns:p14="http://schemas.microsoft.com/office/powerpoint/2010/main" val="1168672493"/>
+      </p:ext>
+    </p:extLst>
+  </p:cSld>
+  <p:clrMapOvr>
+    <a:masterClrMapping/>
+  </p:clrMapOvr>
+</p:sld>
+</file>
+
+<file path=ppt/slides/slide24.xml><?xml version="1.0" encoding="utf-8"?>
+<p:sld xmlns:a="http://schemas.openxmlformats.org/drawingml/2006/main" xmlns:r="http://schemas.openxmlformats.org/officeDocument/2006/relationships" xmlns:p="http://schemas.openxmlformats.org/presentationml/2006/main">
+  <p:cSld>
+    <p:spTree>
+      <p:nvGrpSpPr>
+        <p:cNvPr id="1" name=""/>
+        <p:cNvGrpSpPr/>
+        <p:nvPr/>
+      </p:nvGrpSpPr>
+      <p:grpSpPr>
+        <a:xfrm>
+          <a:off x="0" y="0"/>
+          <a:ext cx="0" cy="0"/>
+          <a:chOff x="0" y="0"/>
+          <a:chExt cx="0" cy="0"/>
+        </a:xfrm>
+      </p:grpSpPr>
       <p:pic>
         <p:nvPicPr>
           <p:cNvPr id="2" name="Obraz 1">
@@ -5209,8 +5281,8 @@
         </p:blipFill>
         <p:spPr bwMode="auto">
           <a:xfrm>
-            <a:off x="1512641" y="1572687"/>
-            <a:ext cx="1812925" cy="1264920"/>
+            <a:off x="1284040" y="2936631"/>
+            <a:ext cx="3814923" cy="2661760"/>
           </a:xfrm>
           <a:prstGeom prst="rect">
             <a:avLst/>
@@ -5244,8 +5316,8 @@
         </p:blipFill>
         <p:spPr bwMode="auto">
           <a:xfrm>
-            <a:off x="3844313" y="582722"/>
-            <a:ext cx="1812925" cy="2254885"/>
+            <a:off x="6096000" y="592410"/>
+            <a:ext cx="4024803" cy="5005981"/>
           </a:xfrm>
           <a:prstGeom prst="rect">
             <a:avLst/>
@@ -5260,149 +5332,10 @@
           </a:extLst>
         </p:spPr>
       </p:pic>
-      <p:pic>
-        <p:nvPicPr>
-          <p:cNvPr id="4" name="Obraz 3">
-            <a:extLst>
-              <a:ext uri="{FF2B5EF4-FFF2-40B4-BE49-F238E27FC236}">
-                <a16:creationId xmlns:a16="http://schemas.microsoft.com/office/drawing/2014/main" id="{31DDCB51-9C32-459A-B310-AA77184851B0}"/>
-              </a:ext>
-            </a:extLst>
-          </p:cNvPr>
-          <p:cNvPicPr/>
-          <p:nvPr/>
-        </p:nvPicPr>
-        <p:blipFill>
-          <a:blip r:embed="rId3"/>
-          <a:stretch>
-            <a:fillRect/>
-          </a:stretch>
-        </p:blipFill>
-        <p:spPr>
-          <a:xfrm>
-            <a:off x="461589" y="3692769"/>
-            <a:ext cx="5445376" cy="2382520"/>
-          </a:xfrm>
-          <a:prstGeom prst="rect">
-            <a:avLst/>
-          </a:prstGeom>
-        </p:spPr>
-      </p:pic>
-      <p:pic>
-        <p:nvPicPr>
-          <p:cNvPr id="5" name="Obraz 4">
-            <a:extLst>
-              <a:ext uri="{FF2B5EF4-FFF2-40B4-BE49-F238E27FC236}">
-                <a16:creationId xmlns:a16="http://schemas.microsoft.com/office/drawing/2014/main" id="{D71158D3-9AA2-4765-8BDB-30CB8C50CF83}"/>
-              </a:ext>
-            </a:extLst>
-          </p:cNvPr>
-          <p:cNvPicPr/>
-          <p:nvPr/>
-        </p:nvPicPr>
-        <p:blipFill>
-          <a:blip r:embed="rId4"/>
-          <a:stretch>
-            <a:fillRect/>
-          </a:stretch>
-        </p:blipFill>
-        <p:spPr>
-          <a:xfrm>
-            <a:off x="6096000" y="2664126"/>
-            <a:ext cx="5634411" cy="3411163"/>
-          </a:xfrm>
-          <a:prstGeom prst="rect">
-            <a:avLst/>
-          </a:prstGeom>
-        </p:spPr>
-      </p:pic>
     </p:spTree>
     <p:extLst>
       <p:ext uri="{BB962C8B-B14F-4D97-AF65-F5344CB8AC3E}">
         <p14:creationId xmlns:p14="http://schemas.microsoft.com/office/powerpoint/2010/main" val="1150126726"/>
-      </p:ext>
-    </p:extLst>
-  </p:cSld>
-  <p:clrMapOvr>
-    <a:masterClrMapping/>
-  </p:clrMapOvr>
-</p:sld>
-</file>
-
-<file path=ppt/slides/slide24.xml><?xml version="1.0" encoding="utf-8"?>
-<p:sld xmlns:a="http://schemas.openxmlformats.org/drawingml/2006/main" xmlns:r="http://schemas.openxmlformats.org/officeDocument/2006/relationships" xmlns:p="http://schemas.openxmlformats.org/presentationml/2006/main">
-  <p:cSld>
-    <p:spTree>
-      <p:nvGrpSpPr>
-        <p:cNvPr id="1" name=""/>
-        <p:cNvGrpSpPr/>
-        <p:nvPr/>
-      </p:nvGrpSpPr>
-      <p:grpSpPr>
-        <a:xfrm>
-          <a:off x="0" y="0"/>
-          <a:ext cx="0" cy="0"/>
-          <a:chOff x="0" y="0"/>
-          <a:chExt cx="0" cy="0"/>
-        </a:xfrm>
-      </p:grpSpPr>
-      <p:sp>
-        <p:nvSpPr>
-          <p:cNvPr id="2" name="Tytuł 1">
-            <a:extLst>
-              <a:ext uri="{FF2B5EF4-FFF2-40B4-BE49-F238E27FC236}">
-                <a16:creationId xmlns:a16="http://schemas.microsoft.com/office/drawing/2014/main" id="{AF39377C-D123-4DF1-9567-97EE257915CC}"/>
-              </a:ext>
-            </a:extLst>
-          </p:cNvPr>
-          <p:cNvSpPr>
-            <a:spLocks noGrp="1"/>
-          </p:cNvSpPr>
-          <p:nvPr>
-            <p:ph type="title"/>
-          </p:nvPr>
-        </p:nvSpPr>
-        <p:spPr/>
-        <p:txBody>
-          <a:bodyPr/>
-          <a:lstStyle/>
-          <a:p>
-            <a:r>
-              <a:rPr lang="pl-PL" dirty="0"/>
-              <a:t>GUI</a:t>
-            </a:r>
-          </a:p>
-        </p:txBody>
-      </p:sp>
-      <p:sp>
-        <p:nvSpPr>
-          <p:cNvPr id="3" name="Symbol zastępczy tekstu 2">
-            <a:extLst>
-              <a:ext uri="{FF2B5EF4-FFF2-40B4-BE49-F238E27FC236}">
-                <a16:creationId xmlns:a16="http://schemas.microsoft.com/office/drawing/2014/main" id="{63E13FFD-8626-4921-8FF3-F3C26BAE5062}"/>
-              </a:ext>
-            </a:extLst>
-          </p:cNvPr>
-          <p:cNvSpPr>
-            <a:spLocks noGrp="1"/>
-          </p:cNvSpPr>
-          <p:nvPr>
-            <p:ph type="body" idx="1"/>
-          </p:nvPr>
-        </p:nvSpPr>
-        <p:spPr/>
-        <p:txBody>
-          <a:bodyPr/>
-          <a:lstStyle/>
-          <a:p>
-            <a:endParaRPr lang="pl-PL"/>
-          </a:p>
-        </p:txBody>
-      </p:sp>
-    </p:spTree>
-    <p:extLst>
-      <p:ext uri="{BB962C8B-B14F-4D97-AF65-F5344CB8AC3E}">
-        <p14:creationId xmlns:p14="http://schemas.microsoft.com/office/powerpoint/2010/main" val="559034028"/>
       </p:ext>
     </p:extLst>
   </p:cSld>
@@ -5429,45 +5362,12 @@
           <a:chExt cx="0" cy="0"/>
         </a:xfrm>
       </p:grpSpPr>
-      <p:sp>
-        <p:nvSpPr>
-          <p:cNvPr id="2" name="Tytuł 1">
+      <p:pic>
+        <p:nvPicPr>
+          <p:cNvPr id="2" name="Obraz 1">
             <a:extLst>
               <a:ext uri="{FF2B5EF4-FFF2-40B4-BE49-F238E27FC236}">
-                <a16:creationId xmlns:a16="http://schemas.microsoft.com/office/drawing/2014/main" id="{F2154779-695F-471C-9D79-A3FC73388DE4}"/>
-              </a:ext>
-            </a:extLst>
-          </p:cNvPr>
-          <p:cNvSpPr>
-            <a:spLocks noGrp="1"/>
-          </p:cNvSpPr>
-          <p:nvPr>
-            <p:ph type="title"/>
-          </p:nvPr>
-        </p:nvSpPr>
-        <p:spPr>
-          <a:xfrm>
-            <a:off x="1204804" y="1013383"/>
-            <a:ext cx="4683707" cy="1749668"/>
-          </a:xfrm>
-        </p:spPr>
-        <p:txBody>
-          <a:bodyPr/>
-          <a:lstStyle/>
-          <a:p>
-            <a:r>
-              <a:rPr lang="pl-PL" dirty="0"/>
-              <a:t>Wstępny koncept interfejsu</a:t>
-            </a:r>
-          </a:p>
-        </p:txBody>
-      </p:sp>
-      <p:pic>
-        <p:nvPicPr>
-          <p:cNvPr id="5" name="Obraz 4">
-            <a:extLst>
-              <a:ext uri="{FF2B5EF4-FFF2-40B4-BE49-F238E27FC236}">
-                <a16:creationId xmlns:a16="http://schemas.microsoft.com/office/drawing/2014/main" id="{9FAB7978-CD4F-4C36-B9CD-58FB1D7155FB}"/>
+                <a16:creationId xmlns:a16="http://schemas.microsoft.com/office/drawing/2014/main" id="{2957AEEE-44F1-438E-8AC8-15497C2B749C}"/>
               </a:ext>
             </a:extLst>
           </p:cNvPr>
@@ -5482,64 +5382,8 @@
         </p:blipFill>
         <p:spPr>
           <a:xfrm>
-            <a:off x="6532719" y="457493"/>
-            <a:ext cx="5098684" cy="2861448"/>
-          </a:xfrm>
-          <a:prstGeom prst="rect">
-            <a:avLst/>
-          </a:prstGeom>
-        </p:spPr>
-      </p:pic>
-      <p:pic>
-        <p:nvPicPr>
-          <p:cNvPr id="6" name="Obraz 5">
-            <a:extLst>
-              <a:ext uri="{FF2B5EF4-FFF2-40B4-BE49-F238E27FC236}">
-                <a16:creationId xmlns:a16="http://schemas.microsoft.com/office/drawing/2014/main" id="{63E4E065-E1AA-424F-9AF4-1A119C01603D}"/>
-              </a:ext>
-            </a:extLst>
-          </p:cNvPr>
-          <p:cNvPicPr/>
-          <p:nvPr/>
-        </p:nvPicPr>
-        <p:blipFill>
-          <a:blip r:embed="rId3"/>
-          <a:stretch>
-            <a:fillRect/>
-          </a:stretch>
-        </p:blipFill>
-        <p:spPr>
-          <a:xfrm>
-            <a:off x="997316" y="3679738"/>
-            <a:ext cx="5098684" cy="2852999"/>
-          </a:xfrm>
-          <a:prstGeom prst="rect">
-            <a:avLst/>
-          </a:prstGeom>
-        </p:spPr>
-      </p:pic>
-      <p:pic>
-        <p:nvPicPr>
-          <p:cNvPr id="7" name="Obraz 6">
-            <a:extLst>
-              <a:ext uri="{FF2B5EF4-FFF2-40B4-BE49-F238E27FC236}">
-                <a16:creationId xmlns:a16="http://schemas.microsoft.com/office/drawing/2014/main" id="{DF3A321B-6327-409B-9A02-9ED331732B1E}"/>
-              </a:ext>
-            </a:extLst>
-          </p:cNvPr>
-          <p:cNvPicPr/>
-          <p:nvPr/>
-        </p:nvPicPr>
-        <p:blipFill>
-          <a:blip r:embed="rId4"/>
-          <a:stretch>
-            <a:fillRect/>
-          </a:stretch>
-        </p:blipFill>
-        <p:spPr>
-          <a:xfrm>
-            <a:off x="6532719" y="3679738"/>
-            <a:ext cx="5098684" cy="2844208"/>
+            <a:off x="501891" y="845990"/>
+            <a:ext cx="11188218" cy="4895191"/>
           </a:xfrm>
           <a:prstGeom prst="rect">
             <a:avLst/>
@@ -5549,7 +5393,7 @@
     </p:spTree>
     <p:extLst>
       <p:ext uri="{BB962C8B-B14F-4D97-AF65-F5344CB8AC3E}">
-        <p14:creationId xmlns:p14="http://schemas.microsoft.com/office/powerpoint/2010/main" val="4026363000"/>
+        <p14:creationId xmlns:p14="http://schemas.microsoft.com/office/powerpoint/2010/main" val="172536094"/>
       </p:ext>
     </p:extLst>
   </p:cSld>
@@ -5576,51 +5420,16 @@
           <a:chExt cx="0" cy="0"/>
         </a:xfrm>
       </p:grpSpPr>
-      <p:sp>
-        <p:nvSpPr>
-          <p:cNvPr id="2" name="Tytuł 1">
+      <p:pic>
+        <p:nvPicPr>
+          <p:cNvPr id="2" name="Obraz 1">
             <a:extLst>
               <a:ext uri="{FF2B5EF4-FFF2-40B4-BE49-F238E27FC236}">
-                <a16:creationId xmlns:a16="http://schemas.microsoft.com/office/drawing/2014/main" id="{C1BA0583-3340-4CC9-A59F-3C8740D9F828}"/>
+                <a16:creationId xmlns:a16="http://schemas.microsoft.com/office/drawing/2014/main" id="{7EDBE884-39DA-46AC-AC82-77D6021AA4ED}"/>
               </a:ext>
             </a:extLst>
           </p:cNvPr>
-          <p:cNvSpPr>
-            <a:spLocks noGrp="1"/>
-          </p:cNvSpPr>
-          <p:nvPr>
-            <p:ph type="title"/>
-          </p:nvPr>
-        </p:nvSpPr>
-        <p:spPr>
-          <a:xfrm>
-            <a:off x="2169590" y="1149332"/>
-            <a:ext cx="7729728" cy="1188720"/>
-          </a:xfrm>
-        </p:spPr>
-        <p:txBody>
-          <a:bodyPr/>
-          <a:lstStyle/>
-          <a:p>
-            <a:r>
-              <a:rPr lang="pl-PL" dirty="0"/>
-              <a:t>Ostateczna wersja</a:t>
-            </a:r>
-          </a:p>
-        </p:txBody>
-      </p:sp>
-      <p:pic>
-        <p:nvPicPr>
-          <p:cNvPr id="3" name="Obraz 2">
-            <a:extLst>
-              <a:ext uri="{FF2B5EF4-FFF2-40B4-BE49-F238E27FC236}">
-                <a16:creationId xmlns:a16="http://schemas.microsoft.com/office/drawing/2014/main" id="{C15E7859-EA71-42EC-A06B-427A165CF049}"/>
-              </a:ext>
-            </a:extLst>
-          </p:cNvPr>
-          <p:cNvPicPr>
-            <a:picLocks noChangeAspect="1"/>
-          </p:cNvPicPr>
+          <p:cNvPicPr/>
           <p:nvPr/>
         </p:nvPicPr>
         <p:blipFill>
@@ -5631,8 +5440,8 @@
         </p:blipFill>
         <p:spPr>
           <a:xfrm>
-            <a:off x="3165596" y="3042139"/>
-            <a:ext cx="5678762" cy="3192707"/>
+            <a:off x="1156917" y="438800"/>
+            <a:ext cx="9878165" cy="5980400"/>
           </a:xfrm>
           <a:prstGeom prst="rect">
             <a:avLst/>
@@ -5642,7 +5451,7 @@
     </p:spTree>
     <p:extLst>
       <p:ext uri="{BB962C8B-B14F-4D97-AF65-F5344CB8AC3E}">
-        <p14:creationId xmlns:p14="http://schemas.microsoft.com/office/powerpoint/2010/main" val="4128871773"/>
+        <p14:creationId xmlns:p14="http://schemas.microsoft.com/office/powerpoint/2010/main" val="3833106745"/>
       </p:ext>
     </p:extLst>
   </p:cSld>
@@ -5674,7 +5483,7 @@
           <p:cNvPr id="2" name="Tytuł 1">
             <a:extLst>
               <a:ext uri="{FF2B5EF4-FFF2-40B4-BE49-F238E27FC236}">
-                <a16:creationId xmlns:a16="http://schemas.microsoft.com/office/drawing/2014/main" id="{E4D62E5D-3CE9-4482-BC28-03568FF735FE}"/>
+                <a16:creationId xmlns:a16="http://schemas.microsoft.com/office/drawing/2014/main" id="{AF39377C-D123-4DF1-9567-97EE257915CC}"/>
               </a:ext>
             </a:extLst>
           </p:cNvPr>
@@ -5692,75 +5501,40 @@
           <a:p>
             <a:r>
               <a:rPr lang="pl-PL" dirty="0"/>
-              <a:t>1. użycie</a:t>
-            </a:r>
-          </a:p>
-        </p:txBody>
-      </p:sp>
-      <p:pic>
-        <p:nvPicPr>
-          <p:cNvPr id="5" name="Obraz 4">
+              <a:t>GUI</a:t>
+            </a:r>
+          </a:p>
+        </p:txBody>
+      </p:sp>
+      <p:sp>
+        <p:nvSpPr>
+          <p:cNvPr id="3" name="Symbol zastępczy tekstu 2">
             <a:extLst>
               <a:ext uri="{FF2B5EF4-FFF2-40B4-BE49-F238E27FC236}">
-                <a16:creationId xmlns:a16="http://schemas.microsoft.com/office/drawing/2014/main" id="{A82A3676-4E0B-42B6-A433-FEF091946366}"/>
+                <a16:creationId xmlns:a16="http://schemas.microsoft.com/office/drawing/2014/main" id="{63E13FFD-8626-4921-8FF3-F3C26BAE5062}"/>
               </a:ext>
             </a:extLst>
           </p:cNvPr>
-          <p:cNvPicPr>
-            <a:picLocks noChangeAspect="1"/>
-          </p:cNvPicPr>
-          <p:nvPr/>
-        </p:nvPicPr>
-        <p:blipFill>
-          <a:blip r:embed="rId2"/>
-          <a:stretch>
-            <a:fillRect/>
-          </a:stretch>
-        </p:blipFill>
-        <p:spPr>
-          <a:xfrm>
-            <a:off x="527903" y="2785888"/>
-            <a:ext cx="5527064" cy="3107420"/>
-          </a:xfrm>
-          <a:prstGeom prst="rect">
-            <a:avLst/>
-          </a:prstGeom>
-        </p:spPr>
-      </p:pic>
-      <p:pic>
-        <p:nvPicPr>
-          <p:cNvPr id="6" name="Obraz 5">
-            <a:extLst>
-              <a:ext uri="{FF2B5EF4-FFF2-40B4-BE49-F238E27FC236}">
-                <a16:creationId xmlns:a16="http://schemas.microsoft.com/office/drawing/2014/main" id="{F8245EC8-6079-4A3E-817F-4F95EED65D7E}"/>
-              </a:ext>
-            </a:extLst>
-          </p:cNvPr>
-          <p:cNvPicPr>
-            <a:picLocks noChangeAspect="1"/>
-          </p:cNvPicPr>
-          <p:nvPr/>
-        </p:nvPicPr>
-        <p:blipFill>
-          <a:blip r:embed="rId3"/>
-          <a:stretch>
-            <a:fillRect/>
-          </a:stretch>
-        </p:blipFill>
-        <p:spPr>
-          <a:xfrm>
-            <a:off x="6189785" y="2785888"/>
-            <a:ext cx="5527065" cy="3107420"/>
-          </a:xfrm>
-          <a:prstGeom prst="rect">
-            <a:avLst/>
-          </a:prstGeom>
-        </p:spPr>
-      </p:pic>
+          <p:cNvSpPr>
+            <a:spLocks noGrp="1"/>
+          </p:cNvSpPr>
+          <p:nvPr>
+            <p:ph type="body" idx="1"/>
+          </p:nvPr>
+        </p:nvSpPr>
+        <p:spPr/>
+        <p:txBody>
+          <a:bodyPr/>
+          <a:lstStyle/>
+          <a:p>
+            <a:endParaRPr lang="pl-PL"/>
+          </a:p>
+        </p:txBody>
+      </p:sp>
     </p:spTree>
     <p:extLst>
       <p:ext uri="{BB962C8B-B14F-4D97-AF65-F5344CB8AC3E}">
-        <p14:creationId xmlns:p14="http://schemas.microsoft.com/office/powerpoint/2010/main" val="1651122677"/>
+        <p14:creationId xmlns:p14="http://schemas.microsoft.com/office/powerpoint/2010/main" val="559034028"/>
       </p:ext>
     </p:extLst>
   </p:cSld>
@@ -5787,45 +5561,12 @@
           <a:chExt cx="0" cy="0"/>
         </a:xfrm>
       </p:grpSpPr>
-      <p:sp>
-        <p:nvSpPr>
-          <p:cNvPr id="2" name="Tytuł 1">
+      <p:pic>
+        <p:nvPicPr>
+          <p:cNvPr id="2" name="Obraz 1">
             <a:extLst>
               <a:ext uri="{FF2B5EF4-FFF2-40B4-BE49-F238E27FC236}">
-                <a16:creationId xmlns:a16="http://schemas.microsoft.com/office/drawing/2014/main" id="{E4D62E5D-3CE9-4482-BC28-03568FF735FE}"/>
-              </a:ext>
-            </a:extLst>
-          </p:cNvPr>
-          <p:cNvSpPr>
-            <a:spLocks noGrp="1"/>
-          </p:cNvSpPr>
-          <p:nvPr>
-            <p:ph type="title"/>
-          </p:nvPr>
-        </p:nvSpPr>
-        <p:spPr>
-          <a:xfrm>
-            <a:off x="2231136" y="964692"/>
-            <a:ext cx="7729728" cy="1188720"/>
-          </a:xfrm>
-        </p:spPr>
-        <p:txBody>
-          <a:bodyPr/>
-          <a:lstStyle/>
-          <a:p>
-            <a:r>
-              <a:rPr lang="pl-PL" dirty="0"/>
-              <a:t>2. serwis</a:t>
-            </a:r>
-          </a:p>
-        </p:txBody>
-      </p:sp>
-      <p:pic>
-        <p:nvPicPr>
-          <p:cNvPr id="3" name="Obraz 2">
-            <a:extLst>
-              <a:ext uri="{FF2B5EF4-FFF2-40B4-BE49-F238E27FC236}">
-                <a16:creationId xmlns:a16="http://schemas.microsoft.com/office/drawing/2014/main" id="{B9CFEE0D-DA6B-472D-9B56-A93404668DB4}"/>
+                <a16:creationId xmlns:a16="http://schemas.microsoft.com/office/drawing/2014/main" id="{1BE96C71-11D1-424F-83BD-5A2E30C517FA}"/>
               </a:ext>
             </a:extLst>
           </p:cNvPr>
@@ -5842,38 +5583,8 @@
         </p:blipFill>
         <p:spPr>
           <a:xfrm>
-            <a:off x="475150" y="2785888"/>
-            <a:ext cx="5526215" cy="3107420"/>
-          </a:xfrm>
-          <a:prstGeom prst="rect">
-            <a:avLst/>
-          </a:prstGeom>
-        </p:spPr>
-      </p:pic>
-      <p:pic>
-        <p:nvPicPr>
-          <p:cNvPr id="4" name="Obraz 3">
-            <a:extLst>
-              <a:ext uri="{FF2B5EF4-FFF2-40B4-BE49-F238E27FC236}">
-                <a16:creationId xmlns:a16="http://schemas.microsoft.com/office/drawing/2014/main" id="{A0AE1CAF-9D0C-4B4E-AD1A-7D006B736E3B}"/>
-              </a:ext>
-            </a:extLst>
-          </p:cNvPr>
-          <p:cNvPicPr>
-            <a:picLocks noChangeAspect="1"/>
-          </p:cNvPicPr>
-          <p:nvPr/>
-        </p:nvPicPr>
-        <p:blipFill>
-          <a:blip r:embed="rId3"/>
-          <a:stretch>
-            <a:fillRect/>
-          </a:stretch>
-        </p:blipFill>
-        <p:spPr>
-          <a:xfrm>
-            <a:off x="6190637" y="2789661"/>
-            <a:ext cx="5526215" cy="3103647"/>
+            <a:off x="558846" y="315907"/>
+            <a:ext cx="11074308" cy="6226185"/>
           </a:xfrm>
           <a:prstGeom prst="rect">
             <a:avLst/>
@@ -5883,7 +5594,129 @@
     </p:spTree>
     <p:extLst>
       <p:ext uri="{BB962C8B-B14F-4D97-AF65-F5344CB8AC3E}">
-        <p14:creationId xmlns:p14="http://schemas.microsoft.com/office/powerpoint/2010/main" val="3714592421"/>
+        <p14:creationId xmlns:p14="http://schemas.microsoft.com/office/powerpoint/2010/main" val="3220073182"/>
+      </p:ext>
+    </p:extLst>
+  </p:cSld>
+  <p:clrMapOvr>
+    <a:masterClrMapping/>
+  </p:clrMapOvr>
+</p:sld>
+</file>
+
+<file path=ppt/slides/slide29.xml><?xml version="1.0" encoding="utf-8"?>
+<p:sld xmlns:a="http://schemas.openxmlformats.org/drawingml/2006/main" xmlns:r="http://schemas.openxmlformats.org/officeDocument/2006/relationships" xmlns:p="http://schemas.openxmlformats.org/presentationml/2006/main">
+  <p:cSld>
+    <p:spTree>
+      <p:nvGrpSpPr>
+        <p:cNvPr id="1" name=""/>
+        <p:cNvGrpSpPr/>
+        <p:nvPr/>
+      </p:nvGrpSpPr>
+      <p:grpSpPr>
+        <a:xfrm>
+          <a:off x="0" y="0"/>
+          <a:ext cx="0" cy="0"/>
+          <a:chOff x="0" y="0"/>
+          <a:chExt cx="0" cy="0"/>
+        </a:xfrm>
+      </p:grpSpPr>
+      <p:sp>
+        <p:nvSpPr>
+          <p:cNvPr id="2" name="Tytuł 1">
+            <a:extLst>
+              <a:ext uri="{FF2B5EF4-FFF2-40B4-BE49-F238E27FC236}">
+                <a16:creationId xmlns:a16="http://schemas.microsoft.com/office/drawing/2014/main" id="{E4D62E5D-3CE9-4482-BC28-03568FF735FE}"/>
+              </a:ext>
+            </a:extLst>
+          </p:cNvPr>
+          <p:cNvSpPr>
+            <a:spLocks noGrp="1"/>
+          </p:cNvSpPr>
+          <p:nvPr>
+            <p:ph type="title"/>
+          </p:nvPr>
+        </p:nvSpPr>
+        <p:spPr/>
+        <p:txBody>
+          <a:bodyPr/>
+          <a:lstStyle/>
+          <a:p>
+            <a:r>
+              <a:rPr lang="pl-PL" dirty="0"/>
+              <a:t>1. użycie</a:t>
+            </a:r>
+          </a:p>
+        </p:txBody>
+      </p:sp>
+      <p:sp>
+        <p:nvSpPr>
+          <p:cNvPr id="3" name="Symbol zastępczy zawartości 2">
+            <a:extLst>
+              <a:ext uri="{FF2B5EF4-FFF2-40B4-BE49-F238E27FC236}">
+                <a16:creationId xmlns:a16="http://schemas.microsoft.com/office/drawing/2014/main" id="{CFDC39D0-D6C0-4700-9A12-F9F158506223}"/>
+              </a:ext>
+            </a:extLst>
+          </p:cNvPr>
+          <p:cNvSpPr>
+            <a:spLocks noGrp="1"/>
+          </p:cNvSpPr>
+          <p:nvPr>
+            <p:ph idx="1"/>
+          </p:nvPr>
+        </p:nvSpPr>
+        <p:spPr/>
+        <p:txBody>
+          <a:bodyPr/>
+          <a:lstStyle/>
+          <a:p>
+            <a:pPr marL="0" indent="0">
+              <a:buNone/>
+            </a:pPr>
+            <a:r>
+              <a:rPr lang="pl-PL" dirty="0"/>
+              <a:t>Tryb normalnego działania dla użytkownika, umożliwiający:</a:t>
+            </a:r>
+          </a:p>
+          <a:p>
+            <a:r>
+              <a:rPr lang="pl-PL" dirty="0"/>
+              <a:t>Wyświetlenie aktualnego stanu wypełnienia zbiornika</a:t>
+            </a:r>
+          </a:p>
+          <a:p>
+            <a:r>
+              <a:rPr lang="pl-PL" dirty="0"/>
+              <a:t>Ustawienie wartości zadanej – procent wypełnienia zbiornika</a:t>
+            </a:r>
+          </a:p>
+          <a:p>
+            <a:r>
+              <a:rPr lang="pl-PL" dirty="0"/>
+              <a:t>Wyświetlenie aktualnej mocy pompy</a:t>
+            </a:r>
+          </a:p>
+          <a:p>
+            <a:r>
+              <a:rPr lang="pl-PL" dirty="0"/>
+              <a:t>Powrót do ekranu głównego</a:t>
+            </a:r>
+          </a:p>
+          <a:p>
+            <a:r>
+              <a:rPr lang="pl-PL" dirty="0"/>
+              <a:t>Możliwość wejścia do trybu serwisowego</a:t>
+            </a:r>
+          </a:p>
+          <a:p>
+            <a:endParaRPr lang="pl-PL" dirty="0"/>
+          </a:p>
+        </p:txBody>
+      </p:sp>
+    </p:spTree>
+    <p:extLst>
+      <p:ext uri="{BB962C8B-B14F-4D97-AF65-F5344CB8AC3E}">
+        <p14:creationId xmlns:p14="http://schemas.microsoft.com/office/powerpoint/2010/main" val="1651122677"/>
       </p:ext>
     </p:extLst>
   </p:cSld>
@@ -6002,6 +5835,521 @@
     <p:extLst>
       <p:ext uri="{BB962C8B-B14F-4D97-AF65-F5344CB8AC3E}">
         <p14:creationId xmlns:p14="http://schemas.microsoft.com/office/powerpoint/2010/main" val="1628613117"/>
+      </p:ext>
+    </p:extLst>
+  </p:cSld>
+  <p:clrMapOvr>
+    <a:masterClrMapping/>
+  </p:clrMapOvr>
+</p:sld>
+</file>
+
+<file path=ppt/slides/slide30.xml><?xml version="1.0" encoding="utf-8"?>
+<p:sld xmlns:a="http://schemas.openxmlformats.org/drawingml/2006/main" xmlns:r="http://schemas.openxmlformats.org/officeDocument/2006/relationships" xmlns:p="http://schemas.openxmlformats.org/presentationml/2006/main">
+  <p:cSld>
+    <p:spTree>
+      <p:nvGrpSpPr>
+        <p:cNvPr id="1" name=""/>
+        <p:cNvGrpSpPr/>
+        <p:nvPr/>
+      </p:nvGrpSpPr>
+      <p:grpSpPr>
+        <a:xfrm>
+          <a:off x="0" y="0"/>
+          <a:ext cx="0" cy="0"/>
+          <a:chOff x="0" y="0"/>
+          <a:chExt cx="0" cy="0"/>
+        </a:xfrm>
+      </p:grpSpPr>
+      <p:pic>
+        <p:nvPicPr>
+          <p:cNvPr id="2" name="Obraz 1">
+            <a:extLst>
+              <a:ext uri="{FF2B5EF4-FFF2-40B4-BE49-F238E27FC236}">
+                <a16:creationId xmlns:a16="http://schemas.microsoft.com/office/drawing/2014/main" id="{2595E647-377A-475D-B0C0-01C93FF969C2}"/>
+              </a:ext>
+            </a:extLst>
+          </p:cNvPr>
+          <p:cNvPicPr>
+            <a:picLocks noChangeAspect="1"/>
+          </p:cNvPicPr>
+          <p:nvPr/>
+        </p:nvPicPr>
+        <p:blipFill>
+          <a:blip r:embed="rId2"/>
+          <a:stretch>
+            <a:fillRect/>
+          </a:stretch>
+        </p:blipFill>
+        <p:spPr>
+          <a:xfrm>
+            <a:off x="636159" y="359374"/>
+            <a:ext cx="10919681" cy="6139251"/>
+          </a:xfrm>
+          <a:prstGeom prst="rect">
+            <a:avLst/>
+          </a:prstGeom>
+        </p:spPr>
+      </p:pic>
+    </p:spTree>
+    <p:extLst>
+      <p:ext uri="{BB962C8B-B14F-4D97-AF65-F5344CB8AC3E}">
+        <p14:creationId xmlns:p14="http://schemas.microsoft.com/office/powerpoint/2010/main" val="1564440131"/>
+      </p:ext>
+    </p:extLst>
+  </p:cSld>
+  <p:clrMapOvr>
+    <a:masterClrMapping/>
+  </p:clrMapOvr>
+</p:sld>
+</file>
+
+<file path=ppt/slides/slide31.xml><?xml version="1.0" encoding="utf-8"?>
+<p:sld xmlns:a="http://schemas.openxmlformats.org/drawingml/2006/main" xmlns:r="http://schemas.openxmlformats.org/officeDocument/2006/relationships" xmlns:p="http://schemas.openxmlformats.org/presentationml/2006/main">
+  <p:cSld>
+    <p:spTree>
+      <p:nvGrpSpPr>
+        <p:cNvPr id="1" name=""/>
+        <p:cNvGrpSpPr/>
+        <p:nvPr/>
+      </p:nvGrpSpPr>
+      <p:grpSpPr>
+        <a:xfrm>
+          <a:off x="0" y="0"/>
+          <a:ext cx="0" cy="0"/>
+          <a:chOff x="0" y="0"/>
+          <a:chExt cx="0" cy="0"/>
+        </a:xfrm>
+      </p:grpSpPr>
+      <p:pic>
+        <p:nvPicPr>
+          <p:cNvPr id="2" name="Obraz 1">
+            <a:extLst>
+              <a:ext uri="{FF2B5EF4-FFF2-40B4-BE49-F238E27FC236}">
+                <a16:creationId xmlns:a16="http://schemas.microsoft.com/office/drawing/2014/main" id="{816AA9A7-B615-48D7-ABB4-9172713F0913}"/>
+              </a:ext>
+            </a:extLst>
+          </p:cNvPr>
+          <p:cNvPicPr>
+            <a:picLocks noChangeAspect="1"/>
+          </p:cNvPicPr>
+          <p:nvPr/>
+        </p:nvPicPr>
+        <p:blipFill>
+          <a:blip r:embed="rId2"/>
+          <a:stretch>
+            <a:fillRect/>
+          </a:stretch>
+        </p:blipFill>
+        <p:spPr>
+          <a:xfrm>
+            <a:off x="706315" y="398818"/>
+            <a:ext cx="10855570" cy="6103206"/>
+          </a:xfrm>
+          <a:prstGeom prst="rect">
+            <a:avLst/>
+          </a:prstGeom>
+        </p:spPr>
+      </p:pic>
+    </p:spTree>
+    <p:extLst>
+      <p:ext uri="{BB962C8B-B14F-4D97-AF65-F5344CB8AC3E}">
+        <p14:creationId xmlns:p14="http://schemas.microsoft.com/office/powerpoint/2010/main" val="1761701962"/>
+      </p:ext>
+    </p:extLst>
+  </p:cSld>
+  <p:clrMapOvr>
+    <a:masterClrMapping/>
+  </p:clrMapOvr>
+</p:sld>
+</file>
+
+<file path=ppt/slides/slide32.xml><?xml version="1.0" encoding="utf-8"?>
+<p:sld xmlns:a="http://schemas.openxmlformats.org/drawingml/2006/main" xmlns:r="http://schemas.openxmlformats.org/officeDocument/2006/relationships" xmlns:p="http://schemas.openxmlformats.org/presentationml/2006/main">
+  <p:cSld>
+    <p:spTree>
+      <p:nvGrpSpPr>
+        <p:cNvPr id="1" name=""/>
+        <p:cNvGrpSpPr/>
+        <p:nvPr/>
+      </p:nvGrpSpPr>
+      <p:grpSpPr>
+        <a:xfrm>
+          <a:off x="0" y="0"/>
+          <a:ext cx="0" cy="0"/>
+          <a:chOff x="0" y="0"/>
+          <a:chExt cx="0" cy="0"/>
+        </a:xfrm>
+      </p:grpSpPr>
+      <p:sp>
+        <p:nvSpPr>
+          <p:cNvPr id="2" name="Tytuł 1">
+            <a:extLst>
+              <a:ext uri="{FF2B5EF4-FFF2-40B4-BE49-F238E27FC236}">
+                <a16:creationId xmlns:a16="http://schemas.microsoft.com/office/drawing/2014/main" id="{E4D62E5D-3CE9-4482-BC28-03568FF735FE}"/>
+              </a:ext>
+            </a:extLst>
+          </p:cNvPr>
+          <p:cNvSpPr>
+            <a:spLocks noGrp="1"/>
+          </p:cNvSpPr>
+          <p:nvPr>
+            <p:ph type="title"/>
+          </p:nvPr>
+        </p:nvSpPr>
+        <p:spPr/>
+        <p:txBody>
+          <a:bodyPr/>
+          <a:lstStyle/>
+          <a:p>
+            <a:r>
+              <a:rPr lang="pl-PL" dirty="0"/>
+              <a:t>2. serwis</a:t>
+            </a:r>
+          </a:p>
+        </p:txBody>
+      </p:sp>
+      <p:sp>
+        <p:nvSpPr>
+          <p:cNvPr id="5" name="Symbol zastępczy zawartości 4">
+            <a:extLst>
+              <a:ext uri="{FF2B5EF4-FFF2-40B4-BE49-F238E27FC236}">
+                <a16:creationId xmlns:a16="http://schemas.microsoft.com/office/drawing/2014/main" id="{B4B0B98F-65B1-4BF7-9AC0-48AE3858126D}"/>
+              </a:ext>
+            </a:extLst>
+          </p:cNvPr>
+          <p:cNvSpPr>
+            <a:spLocks noGrp="1"/>
+          </p:cNvSpPr>
+          <p:nvPr>
+            <p:ph idx="1"/>
+          </p:nvPr>
+        </p:nvSpPr>
+        <p:spPr>
+          <a:xfrm>
+            <a:off x="2231136" y="2963008"/>
+            <a:ext cx="7729728" cy="2777019"/>
+          </a:xfrm>
+        </p:spPr>
+        <p:txBody>
+          <a:bodyPr/>
+          <a:lstStyle/>
+          <a:p>
+            <a:r>
+              <a:rPr lang="pl-PL" dirty="0"/>
+              <a:t>Tryb dla serwisanta, umożliwiający dodatkowo sterowanie wydajnością pompy</a:t>
+            </a:r>
+          </a:p>
+          <a:p>
+            <a:r>
+              <a:rPr lang="pl-PL" dirty="0"/>
+              <a:t>Wymagane hasło</a:t>
+            </a:r>
+          </a:p>
+        </p:txBody>
+      </p:sp>
+    </p:spTree>
+    <p:extLst>
+      <p:ext uri="{BB962C8B-B14F-4D97-AF65-F5344CB8AC3E}">
+        <p14:creationId xmlns:p14="http://schemas.microsoft.com/office/powerpoint/2010/main" val="3714592421"/>
+      </p:ext>
+    </p:extLst>
+  </p:cSld>
+  <p:clrMapOvr>
+    <a:masterClrMapping/>
+  </p:clrMapOvr>
+</p:sld>
+</file>
+
+<file path=ppt/slides/slide33.xml><?xml version="1.0" encoding="utf-8"?>
+<p:sld xmlns:a="http://schemas.openxmlformats.org/drawingml/2006/main" xmlns:r="http://schemas.openxmlformats.org/officeDocument/2006/relationships" xmlns:p="http://schemas.openxmlformats.org/presentationml/2006/main">
+  <p:cSld>
+    <p:spTree>
+      <p:nvGrpSpPr>
+        <p:cNvPr id="1" name=""/>
+        <p:cNvGrpSpPr/>
+        <p:nvPr/>
+      </p:nvGrpSpPr>
+      <p:grpSpPr>
+        <a:xfrm>
+          <a:off x="0" y="0"/>
+          <a:ext cx="0" cy="0"/>
+          <a:chOff x="0" y="0"/>
+          <a:chExt cx="0" cy="0"/>
+        </a:xfrm>
+      </p:grpSpPr>
+      <p:pic>
+        <p:nvPicPr>
+          <p:cNvPr id="2" name="Obraz 1">
+            <a:extLst>
+              <a:ext uri="{FF2B5EF4-FFF2-40B4-BE49-F238E27FC236}">
+                <a16:creationId xmlns:a16="http://schemas.microsoft.com/office/drawing/2014/main" id="{83E379DE-A1B7-4733-B919-ADF953DADC35}"/>
+              </a:ext>
+            </a:extLst>
+          </p:cNvPr>
+          <p:cNvPicPr>
+            <a:picLocks noChangeAspect="1"/>
+          </p:cNvPicPr>
+          <p:nvPr/>
+        </p:nvPicPr>
+        <p:blipFill>
+          <a:blip r:embed="rId2"/>
+          <a:stretch>
+            <a:fillRect/>
+          </a:stretch>
+        </p:blipFill>
+        <p:spPr>
+          <a:xfrm>
+            <a:off x="652420" y="368046"/>
+            <a:ext cx="10887160" cy="6121908"/>
+          </a:xfrm>
+          <a:prstGeom prst="rect">
+            <a:avLst/>
+          </a:prstGeom>
+        </p:spPr>
+      </p:pic>
+    </p:spTree>
+    <p:extLst>
+      <p:ext uri="{BB962C8B-B14F-4D97-AF65-F5344CB8AC3E}">
+        <p14:creationId xmlns:p14="http://schemas.microsoft.com/office/powerpoint/2010/main" val="2394623334"/>
+      </p:ext>
+    </p:extLst>
+  </p:cSld>
+  <p:clrMapOvr>
+    <a:masterClrMapping/>
+  </p:clrMapOvr>
+</p:sld>
+</file>
+
+<file path=ppt/slides/slide34.xml><?xml version="1.0" encoding="utf-8"?>
+<p:sld xmlns:a="http://schemas.openxmlformats.org/drawingml/2006/main" xmlns:r="http://schemas.openxmlformats.org/officeDocument/2006/relationships" xmlns:p="http://schemas.openxmlformats.org/presentationml/2006/main">
+  <p:cSld>
+    <p:spTree>
+      <p:nvGrpSpPr>
+        <p:cNvPr id="1" name=""/>
+        <p:cNvGrpSpPr/>
+        <p:nvPr/>
+      </p:nvGrpSpPr>
+      <p:grpSpPr>
+        <a:xfrm>
+          <a:off x="0" y="0"/>
+          <a:ext cx="0" cy="0"/>
+          <a:chOff x="0" y="0"/>
+          <a:chExt cx="0" cy="0"/>
+        </a:xfrm>
+      </p:grpSpPr>
+      <p:pic>
+        <p:nvPicPr>
+          <p:cNvPr id="2" name="Obraz 1">
+            <a:extLst>
+              <a:ext uri="{FF2B5EF4-FFF2-40B4-BE49-F238E27FC236}">
+                <a16:creationId xmlns:a16="http://schemas.microsoft.com/office/drawing/2014/main" id="{56ECCB16-E211-4095-A7D5-6DEC1EA3C113}"/>
+              </a:ext>
+            </a:extLst>
+          </p:cNvPr>
+          <p:cNvPicPr>
+            <a:picLocks noChangeAspect="1"/>
+          </p:cNvPicPr>
+          <p:nvPr/>
+        </p:nvPicPr>
+        <p:blipFill>
+          <a:blip r:embed="rId2"/>
+          <a:stretch>
+            <a:fillRect/>
+          </a:stretch>
+        </p:blipFill>
+        <p:spPr>
+          <a:xfrm>
+            <a:off x="585406" y="334126"/>
+            <a:ext cx="11021187" cy="6189747"/>
+          </a:xfrm>
+          <a:prstGeom prst="rect">
+            <a:avLst/>
+          </a:prstGeom>
+        </p:spPr>
+      </p:pic>
+    </p:spTree>
+    <p:extLst>
+      <p:ext uri="{BB962C8B-B14F-4D97-AF65-F5344CB8AC3E}">
+        <p14:creationId xmlns:p14="http://schemas.microsoft.com/office/powerpoint/2010/main" val="1316053421"/>
+      </p:ext>
+    </p:extLst>
+  </p:cSld>
+  <p:clrMapOvr>
+    <a:masterClrMapping/>
+  </p:clrMapOvr>
+</p:sld>
+</file>
+
+<file path=ppt/slides/slide35.xml><?xml version="1.0" encoding="utf-8"?>
+<p:sld xmlns:a="http://schemas.openxmlformats.org/drawingml/2006/main" xmlns:r="http://schemas.openxmlformats.org/officeDocument/2006/relationships" xmlns:p="http://schemas.openxmlformats.org/presentationml/2006/main">
+  <p:cSld>
+    <p:spTree>
+      <p:nvGrpSpPr>
+        <p:cNvPr id="1" name=""/>
+        <p:cNvGrpSpPr/>
+        <p:nvPr/>
+      </p:nvGrpSpPr>
+      <p:grpSpPr>
+        <a:xfrm>
+          <a:off x="0" y="0"/>
+          <a:ext cx="0" cy="0"/>
+          <a:chOff x="0" y="0"/>
+          <a:chExt cx="0" cy="0"/>
+        </a:xfrm>
+      </p:grpSpPr>
+      <p:sp>
+        <p:nvSpPr>
+          <p:cNvPr id="2" name="Tytuł 1">
+            <a:extLst>
+              <a:ext uri="{FF2B5EF4-FFF2-40B4-BE49-F238E27FC236}">
+                <a16:creationId xmlns:a16="http://schemas.microsoft.com/office/drawing/2014/main" id="{E5FC5A63-5B4C-4F07-8B40-37EFADF54D50}"/>
+              </a:ext>
+            </a:extLst>
+          </p:cNvPr>
+          <p:cNvSpPr>
+            <a:spLocks noGrp="1"/>
+          </p:cNvSpPr>
+          <p:nvPr>
+            <p:ph type="title"/>
+          </p:nvPr>
+        </p:nvSpPr>
+        <p:spPr/>
+        <p:txBody>
+          <a:bodyPr/>
+          <a:lstStyle/>
+          <a:p>
+            <a:r>
+              <a:rPr lang="pl-PL" dirty="0"/>
+              <a:t>Model 3d</a:t>
+            </a:r>
+          </a:p>
+        </p:txBody>
+      </p:sp>
+    </p:spTree>
+    <p:extLst>
+      <p:ext uri="{BB962C8B-B14F-4D97-AF65-F5344CB8AC3E}">
+        <p14:creationId xmlns:p14="http://schemas.microsoft.com/office/powerpoint/2010/main" val="1681789372"/>
+      </p:ext>
+    </p:extLst>
+  </p:cSld>
+  <p:clrMapOvr>
+    <a:masterClrMapping/>
+  </p:clrMapOvr>
+</p:sld>
+</file>
+
+<file path=ppt/slides/slide36.xml><?xml version="1.0" encoding="utf-8"?>
+<p:sld xmlns:a="http://schemas.openxmlformats.org/drawingml/2006/main" xmlns:r="http://schemas.openxmlformats.org/officeDocument/2006/relationships" xmlns:p="http://schemas.openxmlformats.org/presentationml/2006/main">
+  <p:cSld>
+    <p:spTree>
+      <p:nvGrpSpPr>
+        <p:cNvPr id="1" name=""/>
+        <p:cNvGrpSpPr/>
+        <p:nvPr/>
+      </p:nvGrpSpPr>
+      <p:grpSpPr>
+        <a:xfrm>
+          <a:off x="0" y="0"/>
+          <a:ext cx="0" cy="0"/>
+          <a:chOff x="0" y="0"/>
+          <a:chExt cx="0" cy="0"/>
+        </a:xfrm>
+      </p:grpSpPr>
+      <p:pic>
+        <p:nvPicPr>
+          <p:cNvPr id="3" name="Obraz 2">
+            <a:extLst>
+              <a:ext uri="{FF2B5EF4-FFF2-40B4-BE49-F238E27FC236}">
+                <a16:creationId xmlns:a16="http://schemas.microsoft.com/office/drawing/2014/main" id="{B7C7021A-81CD-4DFD-A693-4143AFD50DF9}"/>
+              </a:ext>
+            </a:extLst>
+          </p:cNvPr>
+          <p:cNvPicPr>
+            <a:picLocks noChangeAspect="1"/>
+          </p:cNvPicPr>
+          <p:nvPr/>
+        </p:nvPicPr>
+        <p:blipFill>
+          <a:blip r:embed="rId2"/>
+          <a:stretch>
+            <a:fillRect/>
+          </a:stretch>
+        </p:blipFill>
+        <p:spPr>
+          <a:xfrm>
+            <a:off x="1481063" y="0"/>
+            <a:ext cx="9229873" cy="6858000"/>
+          </a:xfrm>
+          <a:prstGeom prst="rect">
+            <a:avLst/>
+          </a:prstGeom>
+        </p:spPr>
+      </p:pic>
+    </p:spTree>
+    <p:extLst>
+      <p:ext uri="{BB962C8B-B14F-4D97-AF65-F5344CB8AC3E}">
+        <p14:creationId xmlns:p14="http://schemas.microsoft.com/office/powerpoint/2010/main" val="2783736158"/>
+      </p:ext>
+    </p:extLst>
+  </p:cSld>
+  <p:clrMapOvr>
+    <a:masterClrMapping/>
+  </p:clrMapOvr>
+</p:sld>
+</file>
+
+<file path=ppt/slides/slide37.xml><?xml version="1.0" encoding="utf-8"?>
+<p:sld xmlns:a="http://schemas.openxmlformats.org/drawingml/2006/main" xmlns:r="http://schemas.openxmlformats.org/officeDocument/2006/relationships" xmlns:p="http://schemas.openxmlformats.org/presentationml/2006/main">
+  <p:cSld>
+    <p:spTree>
+      <p:nvGrpSpPr>
+        <p:cNvPr id="1" name=""/>
+        <p:cNvGrpSpPr/>
+        <p:nvPr/>
+      </p:nvGrpSpPr>
+      <p:grpSpPr>
+        <a:xfrm>
+          <a:off x="0" y="0"/>
+          <a:ext cx="0" cy="0"/>
+          <a:chOff x="0" y="0"/>
+          <a:chExt cx="0" cy="0"/>
+        </a:xfrm>
+      </p:grpSpPr>
+      <p:pic>
+        <p:nvPicPr>
+          <p:cNvPr id="3" name="Obraz 2">
+            <a:extLst>
+              <a:ext uri="{FF2B5EF4-FFF2-40B4-BE49-F238E27FC236}">
+                <a16:creationId xmlns:a16="http://schemas.microsoft.com/office/drawing/2014/main" id="{66A10D4E-FF93-4ACD-8A37-E67EC8EACB84}"/>
+              </a:ext>
+            </a:extLst>
+          </p:cNvPr>
+          <p:cNvPicPr>
+            <a:picLocks noChangeAspect="1"/>
+          </p:cNvPicPr>
+          <p:nvPr/>
+        </p:nvPicPr>
+        <p:blipFill>
+          <a:blip r:embed="rId2"/>
+          <a:stretch>
+            <a:fillRect/>
+          </a:stretch>
+        </p:blipFill>
+        <p:spPr>
+          <a:xfrm>
+            <a:off x="803895" y="0"/>
+            <a:ext cx="10584210" cy="6858000"/>
+          </a:xfrm>
+          <a:prstGeom prst="rect">
+            <a:avLst/>
+          </a:prstGeom>
+        </p:spPr>
+      </p:pic>
+    </p:spTree>
+    <p:extLst>
+      <p:ext uri="{BB962C8B-B14F-4D97-AF65-F5344CB8AC3E}">
+        <p14:creationId xmlns:p14="http://schemas.microsoft.com/office/powerpoint/2010/main" val="2470478320"/>
       </p:ext>
     </p:extLst>
   </p:cSld>

--- a/projekt_zesp/Układ stabilizacji poziomu cieczy.pptx
+++ b/projekt_zesp/Układ stabilizacji poziomu cieczy.pptx
@@ -4939,31 +4939,6 @@
           </a:p>
         </p:txBody>
       </p:sp>
-      <p:sp>
-        <p:nvSpPr>
-          <p:cNvPr id="3" name="Symbol zastępczy tekstu 2">
-            <a:extLst>
-              <a:ext uri="{FF2B5EF4-FFF2-40B4-BE49-F238E27FC236}">
-                <a16:creationId xmlns:a16="http://schemas.microsoft.com/office/drawing/2014/main" id="{0F1F3CFB-2A44-40DF-AE2E-6ABCB64C0B8F}"/>
-              </a:ext>
-            </a:extLst>
-          </p:cNvPr>
-          <p:cNvSpPr>
-            <a:spLocks noGrp="1"/>
-          </p:cNvSpPr>
-          <p:nvPr>
-            <p:ph type="body" idx="1"/>
-          </p:nvPr>
-        </p:nvSpPr>
-        <p:spPr/>
-        <p:txBody>
-          <a:bodyPr/>
-          <a:lstStyle/>
-          <a:p>
-            <a:endParaRPr lang="pl-PL"/>
-          </a:p>
-        </p:txBody>
-      </p:sp>
     </p:spTree>
     <p:extLst>
       <p:ext uri="{BB962C8B-B14F-4D97-AF65-F5344CB8AC3E}">
